--- a/ppt 16-9/1206.丧礼歌.pptx
+++ b/ppt 16-9/1206.丧礼歌.pptx
@@ -129,7 +129,7 @@
           <p:cNvPr id="2" name="标题 1">
             <a:extLst>
               <a:ext uri="{FF2B5EF4-FFF2-40B4-BE49-F238E27FC236}">
-                <a16:creationId xmlns:a16="http://schemas.microsoft.com/office/drawing/2014/main" id="{CC5C7E95-99A2-B325-240E-577E78DC997E}"/>
+                <a16:creationId xmlns:a16="http://schemas.microsoft.com/office/drawing/2014/main" id="{0A165A52-E9A2-3182-6256-F8FB2C56B101}"/>
               </a:ext>
             </a:extLst>
           </p:cNvPr>
@@ -166,7 +166,7 @@
           <p:cNvPr id="3" name="副标题 2">
             <a:extLst>
               <a:ext uri="{FF2B5EF4-FFF2-40B4-BE49-F238E27FC236}">
-                <a16:creationId xmlns:a16="http://schemas.microsoft.com/office/drawing/2014/main" id="{A16DFCD1-52E2-34A7-A791-727E9830E16B}"/>
+                <a16:creationId xmlns:a16="http://schemas.microsoft.com/office/drawing/2014/main" id="{2974DB65-47DF-D459-824D-E142C950BEB3}"/>
               </a:ext>
             </a:extLst>
           </p:cNvPr>
@@ -236,7 +236,7 @@
           <p:cNvPr id="4" name="日期占位符 3">
             <a:extLst>
               <a:ext uri="{FF2B5EF4-FFF2-40B4-BE49-F238E27FC236}">
-                <a16:creationId xmlns:a16="http://schemas.microsoft.com/office/drawing/2014/main" id="{4633204B-4932-A01D-2157-306FEFA6A3F8}"/>
+                <a16:creationId xmlns:a16="http://schemas.microsoft.com/office/drawing/2014/main" id="{A66E60AD-1D92-22F3-0A4E-F60076A5CA27}"/>
               </a:ext>
             </a:extLst>
           </p:cNvPr>
@@ -252,7 +252,7 @@
           <a:bodyPr/>
           <a:lstStyle/>
           <a:p>
-            <a:fld id="{3CC22204-3CB0-45A6-B82E-794074AD532A}" type="datetimeFigureOut">
+            <a:fld id="{9803AAD6-93DB-4FA0-AFFF-71AFE6EE9A0F}" type="datetimeFigureOut">
               <a:rPr lang="zh-CN" altLang="en-US" smtClean="0"/>
               <a:t>2024/3/10</a:t>
             </a:fld>
@@ -265,7 +265,7 @@
           <p:cNvPr id="5" name="页脚占位符 4">
             <a:extLst>
               <a:ext uri="{FF2B5EF4-FFF2-40B4-BE49-F238E27FC236}">
-                <a16:creationId xmlns:a16="http://schemas.microsoft.com/office/drawing/2014/main" id="{B965D57A-FC95-EFF9-1872-8EC741EF177A}"/>
+                <a16:creationId xmlns:a16="http://schemas.microsoft.com/office/drawing/2014/main" id="{32DEF1EA-7AD8-7958-C5BE-5747AAA0763C}"/>
               </a:ext>
             </a:extLst>
           </p:cNvPr>
@@ -290,7 +290,7 @@
           <p:cNvPr id="6" name="灯片编号占位符 5">
             <a:extLst>
               <a:ext uri="{FF2B5EF4-FFF2-40B4-BE49-F238E27FC236}">
-                <a16:creationId xmlns:a16="http://schemas.microsoft.com/office/drawing/2014/main" id="{399C0ED7-37F0-C2CC-1F72-9F1E6C698A75}"/>
+                <a16:creationId xmlns:a16="http://schemas.microsoft.com/office/drawing/2014/main" id="{C08D42D8-3976-EB85-0051-23DF8D5A4A21}"/>
               </a:ext>
             </a:extLst>
           </p:cNvPr>
@@ -306,7 +306,7 @@
           <a:bodyPr/>
           <a:lstStyle/>
           <a:p>
-            <a:fld id="{ED4190B6-AC67-4BBE-841F-1E6CC45B314B}" type="slidenum">
+            <a:fld id="{F3E0B850-382E-4F5C-9E18-62DED4770BD8}" type="slidenum">
               <a:rPr lang="zh-CN" altLang="en-US" smtClean="0"/>
               <a:t>‹#›</a:t>
             </a:fld>
@@ -317,7 +317,7 @@
     </p:spTree>
     <p:extLst>
       <p:ext uri="{BB962C8B-B14F-4D97-AF65-F5344CB8AC3E}">
-        <p14:creationId xmlns:p14="http://schemas.microsoft.com/office/powerpoint/2010/main" val="2067742494"/>
+        <p14:creationId xmlns:p14="http://schemas.microsoft.com/office/powerpoint/2010/main" val="1136197857"/>
       </p:ext>
     </p:extLst>
   </p:cSld>
@@ -349,7 +349,7 @@
           <p:cNvPr id="2" name="标题 1">
             <a:extLst>
               <a:ext uri="{FF2B5EF4-FFF2-40B4-BE49-F238E27FC236}">
-                <a16:creationId xmlns:a16="http://schemas.microsoft.com/office/drawing/2014/main" id="{1FD1E8DC-F9DC-296E-2C61-FE79D7EF3946}"/>
+                <a16:creationId xmlns:a16="http://schemas.microsoft.com/office/drawing/2014/main" id="{51AAFFD8-C430-F72E-D6F3-77C10C367DCF}"/>
               </a:ext>
             </a:extLst>
           </p:cNvPr>
@@ -377,7 +377,7 @@
           <p:cNvPr id="3" name="竖排文字占位符 2">
             <a:extLst>
               <a:ext uri="{FF2B5EF4-FFF2-40B4-BE49-F238E27FC236}">
-                <a16:creationId xmlns:a16="http://schemas.microsoft.com/office/drawing/2014/main" id="{208956B0-F4DA-A855-691C-09BADAB529CC}"/>
+                <a16:creationId xmlns:a16="http://schemas.microsoft.com/office/drawing/2014/main" id="{C81173BF-11B6-3E06-22A1-1A434B9A815A}"/>
               </a:ext>
             </a:extLst>
           </p:cNvPr>
@@ -434,7 +434,7 @@
           <p:cNvPr id="4" name="日期占位符 3">
             <a:extLst>
               <a:ext uri="{FF2B5EF4-FFF2-40B4-BE49-F238E27FC236}">
-                <a16:creationId xmlns:a16="http://schemas.microsoft.com/office/drawing/2014/main" id="{D9AC03F4-D9A1-EB91-EE5D-C630448819D1}"/>
+                <a16:creationId xmlns:a16="http://schemas.microsoft.com/office/drawing/2014/main" id="{043BE074-FF37-2C33-821A-8BED3048E0BE}"/>
               </a:ext>
             </a:extLst>
           </p:cNvPr>
@@ -450,7 +450,7 @@
           <a:bodyPr/>
           <a:lstStyle/>
           <a:p>
-            <a:fld id="{3CC22204-3CB0-45A6-B82E-794074AD532A}" type="datetimeFigureOut">
+            <a:fld id="{9803AAD6-93DB-4FA0-AFFF-71AFE6EE9A0F}" type="datetimeFigureOut">
               <a:rPr lang="zh-CN" altLang="en-US" smtClean="0"/>
               <a:t>2024/3/10</a:t>
             </a:fld>
@@ -463,7 +463,7 @@
           <p:cNvPr id="5" name="页脚占位符 4">
             <a:extLst>
               <a:ext uri="{FF2B5EF4-FFF2-40B4-BE49-F238E27FC236}">
-                <a16:creationId xmlns:a16="http://schemas.microsoft.com/office/drawing/2014/main" id="{9CA81B08-5FF1-D5EC-A838-99453A0804C2}"/>
+                <a16:creationId xmlns:a16="http://schemas.microsoft.com/office/drawing/2014/main" id="{978990B9-E187-4A52-752E-54602D465473}"/>
               </a:ext>
             </a:extLst>
           </p:cNvPr>
@@ -488,7 +488,7 @@
           <p:cNvPr id="6" name="灯片编号占位符 5">
             <a:extLst>
               <a:ext uri="{FF2B5EF4-FFF2-40B4-BE49-F238E27FC236}">
-                <a16:creationId xmlns:a16="http://schemas.microsoft.com/office/drawing/2014/main" id="{04A83DDE-0BCF-B821-54E6-C558810DC517}"/>
+                <a16:creationId xmlns:a16="http://schemas.microsoft.com/office/drawing/2014/main" id="{4B146F59-FB2B-B68E-DAD2-6BEAF14FA408}"/>
               </a:ext>
             </a:extLst>
           </p:cNvPr>
@@ -504,7 +504,7 @@
           <a:bodyPr/>
           <a:lstStyle/>
           <a:p>
-            <a:fld id="{ED4190B6-AC67-4BBE-841F-1E6CC45B314B}" type="slidenum">
+            <a:fld id="{F3E0B850-382E-4F5C-9E18-62DED4770BD8}" type="slidenum">
               <a:rPr lang="zh-CN" altLang="en-US" smtClean="0"/>
               <a:t>‹#›</a:t>
             </a:fld>
@@ -515,7 +515,7 @@
     </p:spTree>
     <p:extLst>
       <p:ext uri="{BB962C8B-B14F-4D97-AF65-F5344CB8AC3E}">
-        <p14:creationId xmlns:p14="http://schemas.microsoft.com/office/powerpoint/2010/main" val="644881884"/>
+        <p14:creationId xmlns:p14="http://schemas.microsoft.com/office/powerpoint/2010/main" val="1339459189"/>
       </p:ext>
     </p:extLst>
   </p:cSld>
@@ -547,7 +547,7 @@
           <p:cNvPr id="2" name="竖排标题 1">
             <a:extLst>
               <a:ext uri="{FF2B5EF4-FFF2-40B4-BE49-F238E27FC236}">
-                <a16:creationId xmlns:a16="http://schemas.microsoft.com/office/drawing/2014/main" id="{4C2E6BF5-F925-0987-B065-81A29B7ED9C0}"/>
+                <a16:creationId xmlns:a16="http://schemas.microsoft.com/office/drawing/2014/main" id="{92B81F9F-828F-A0FC-DB45-95E9C8E2FEB5}"/>
               </a:ext>
             </a:extLst>
           </p:cNvPr>
@@ -580,7 +580,7 @@
           <p:cNvPr id="3" name="竖排文字占位符 2">
             <a:extLst>
               <a:ext uri="{FF2B5EF4-FFF2-40B4-BE49-F238E27FC236}">
-                <a16:creationId xmlns:a16="http://schemas.microsoft.com/office/drawing/2014/main" id="{0984D71F-2FCC-6765-D695-EE1F10320EDD}"/>
+                <a16:creationId xmlns:a16="http://schemas.microsoft.com/office/drawing/2014/main" id="{EF77917F-6234-D603-D1D5-AC5D4F90E39D}"/>
               </a:ext>
             </a:extLst>
           </p:cNvPr>
@@ -642,7 +642,7 @@
           <p:cNvPr id="4" name="日期占位符 3">
             <a:extLst>
               <a:ext uri="{FF2B5EF4-FFF2-40B4-BE49-F238E27FC236}">
-                <a16:creationId xmlns:a16="http://schemas.microsoft.com/office/drawing/2014/main" id="{30F48800-483A-A500-B1FE-8A66D47B8E06}"/>
+                <a16:creationId xmlns:a16="http://schemas.microsoft.com/office/drawing/2014/main" id="{BFF7DB69-6F1C-F5B4-64E1-C7D84F5E6886}"/>
               </a:ext>
             </a:extLst>
           </p:cNvPr>
@@ -658,7 +658,7 @@
           <a:bodyPr/>
           <a:lstStyle/>
           <a:p>
-            <a:fld id="{3CC22204-3CB0-45A6-B82E-794074AD532A}" type="datetimeFigureOut">
+            <a:fld id="{9803AAD6-93DB-4FA0-AFFF-71AFE6EE9A0F}" type="datetimeFigureOut">
               <a:rPr lang="zh-CN" altLang="en-US" smtClean="0"/>
               <a:t>2024/3/10</a:t>
             </a:fld>
@@ -671,7 +671,7 @@
           <p:cNvPr id="5" name="页脚占位符 4">
             <a:extLst>
               <a:ext uri="{FF2B5EF4-FFF2-40B4-BE49-F238E27FC236}">
-                <a16:creationId xmlns:a16="http://schemas.microsoft.com/office/drawing/2014/main" id="{E19A3F3C-06B8-4056-94AA-74EB4BE5F526}"/>
+                <a16:creationId xmlns:a16="http://schemas.microsoft.com/office/drawing/2014/main" id="{000EC143-9921-CC32-0028-22C38ED7FC85}"/>
               </a:ext>
             </a:extLst>
           </p:cNvPr>
@@ -696,7 +696,7 @@
           <p:cNvPr id="6" name="灯片编号占位符 5">
             <a:extLst>
               <a:ext uri="{FF2B5EF4-FFF2-40B4-BE49-F238E27FC236}">
-                <a16:creationId xmlns:a16="http://schemas.microsoft.com/office/drawing/2014/main" id="{900EAAFC-F66C-9CD1-0FB9-7FD73A625FE3}"/>
+                <a16:creationId xmlns:a16="http://schemas.microsoft.com/office/drawing/2014/main" id="{E0694FB6-FA90-8446-E7AB-5768ABBFF348}"/>
               </a:ext>
             </a:extLst>
           </p:cNvPr>
@@ -712,7 +712,7 @@
           <a:bodyPr/>
           <a:lstStyle/>
           <a:p>
-            <a:fld id="{ED4190B6-AC67-4BBE-841F-1E6CC45B314B}" type="slidenum">
+            <a:fld id="{F3E0B850-382E-4F5C-9E18-62DED4770BD8}" type="slidenum">
               <a:rPr lang="zh-CN" altLang="en-US" smtClean="0"/>
               <a:t>‹#›</a:t>
             </a:fld>
@@ -723,7 +723,7 @@
     </p:spTree>
     <p:extLst>
       <p:ext uri="{BB962C8B-B14F-4D97-AF65-F5344CB8AC3E}">
-        <p14:creationId xmlns:p14="http://schemas.microsoft.com/office/powerpoint/2010/main" val="24500613"/>
+        <p14:creationId xmlns:p14="http://schemas.microsoft.com/office/powerpoint/2010/main" val="3914556440"/>
       </p:ext>
     </p:extLst>
   </p:cSld>
@@ -755,7 +755,7 @@
           <p:cNvPr id="2" name="标题 1">
             <a:extLst>
               <a:ext uri="{FF2B5EF4-FFF2-40B4-BE49-F238E27FC236}">
-                <a16:creationId xmlns:a16="http://schemas.microsoft.com/office/drawing/2014/main" id="{B7CD6C04-B6CD-8F43-DAFD-775309611407}"/>
+                <a16:creationId xmlns:a16="http://schemas.microsoft.com/office/drawing/2014/main" id="{C9FB6918-05EE-B103-F190-62B84213A0C9}"/>
               </a:ext>
             </a:extLst>
           </p:cNvPr>
@@ -783,7 +783,7 @@
           <p:cNvPr id="3" name="内容占位符 2">
             <a:extLst>
               <a:ext uri="{FF2B5EF4-FFF2-40B4-BE49-F238E27FC236}">
-                <a16:creationId xmlns:a16="http://schemas.microsoft.com/office/drawing/2014/main" id="{D6BEA1FC-416C-9561-E42A-BC6AECB42DA3}"/>
+                <a16:creationId xmlns:a16="http://schemas.microsoft.com/office/drawing/2014/main" id="{4E64BCE3-4CFC-CAA7-2ADB-B69C1ACE7C28}"/>
               </a:ext>
             </a:extLst>
           </p:cNvPr>
@@ -840,7 +840,7 @@
           <p:cNvPr id="4" name="日期占位符 3">
             <a:extLst>
               <a:ext uri="{FF2B5EF4-FFF2-40B4-BE49-F238E27FC236}">
-                <a16:creationId xmlns:a16="http://schemas.microsoft.com/office/drawing/2014/main" id="{4112EFD8-6ACE-9F35-873B-29DA3980C815}"/>
+                <a16:creationId xmlns:a16="http://schemas.microsoft.com/office/drawing/2014/main" id="{E7F70663-BC49-ECCC-789D-E8C2A9CACD73}"/>
               </a:ext>
             </a:extLst>
           </p:cNvPr>
@@ -856,7 +856,7 @@
           <a:bodyPr/>
           <a:lstStyle/>
           <a:p>
-            <a:fld id="{3CC22204-3CB0-45A6-B82E-794074AD532A}" type="datetimeFigureOut">
+            <a:fld id="{9803AAD6-93DB-4FA0-AFFF-71AFE6EE9A0F}" type="datetimeFigureOut">
               <a:rPr lang="zh-CN" altLang="en-US" smtClean="0"/>
               <a:t>2024/3/10</a:t>
             </a:fld>
@@ -869,7 +869,7 @@
           <p:cNvPr id="5" name="页脚占位符 4">
             <a:extLst>
               <a:ext uri="{FF2B5EF4-FFF2-40B4-BE49-F238E27FC236}">
-                <a16:creationId xmlns:a16="http://schemas.microsoft.com/office/drawing/2014/main" id="{19CBE265-62EE-8181-4C6C-524CC78D4509}"/>
+                <a16:creationId xmlns:a16="http://schemas.microsoft.com/office/drawing/2014/main" id="{06261CFF-6E18-6950-5F9C-3AF311797FA5}"/>
               </a:ext>
             </a:extLst>
           </p:cNvPr>
@@ -894,7 +894,7 @@
           <p:cNvPr id="6" name="灯片编号占位符 5">
             <a:extLst>
               <a:ext uri="{FF2B5EF4-FFF2-40B4-BE49-F238E27FC236}">
-                <a16:creationId xmlns:a16="http://schemas.microsoft.com/office/drawing/2014/main" id="{3A59EA59-F161-00C4-7A0B-F199CD3F39F6}"/>
+                <a16:creationId xmlns:a16="http://schemas.microsoft.com/office/drawing/2014/main" id="{DF17E4E8-B4B5-142F-A648-FA3E7C7CBC64}"/>
               </a:ext>
             </a:extLst>
           </p:cNvPr>
@@ -910,7 +910,7 @@
           <a:bodyPr/>
           <a:lstStyle/>
           <a:p>
-            <a:fld id="{ED4190B6-AC67-4BBE-841F-1E6CC45B314B}" type="slidenum">
+            <a:fld id="{F3E0B850-382E-4F5C-9E18-62DED4770BD8}" type="slidenum">
               <a:rPr lang="zh-CN" altLang="en-US" smtClean="0"/>
               <a:t>‹#›</a:t>
             </a:fld>
@@ -921,7 +921,7 @@
     </p:spTree>
     <p:extLst>
       <p:ext uri="{BB962C8B-B14F-4D97-AF65-F5344CB8AC3E}">
-        <p14:creationId xmlns:p14="http://schemas.microsoft.com/office/powerpoint/2010/main" val="2148379203"/>
+        <p14:creationId xmlns:p14="http://schemas.microsoft.com/office/powerpoint/2010/main" val="3788550387"/>
       </p:ext>
     </p:extLst>
   </p:cSld>
@@ -953,7 +953,7 @@
           <p:cNvPr id="2" name="标题 1">
             <a:extLst>
               <a:ext uri="{FF2B5EF4-FFF2-40B4-BE49-F238E27FC236}">
-                <a16:creationId xmlns:a16="http://schemas.microsoft.com/office/drawing/2014/main" id="{677E2ADA-1491-F5A0-FF5E-3E44599ABF08}"/>
+                <a16:creationId xmlns:a16="http://schemas.microsoft.com/office/drawing/2014/main" id="{612892CD-163B-5D7D-75FF-6D141538598E}"/>
               </a:ext>
             </a:extLst>
           </p:cNvPr>
@@ -990,7 +990,7 @@
           <p:cNvPr id="3" name="文本占位符 2">
             <a:extLst>
               <a:ext uri="{FF2B5EF4-FFF2-40B4-BE49-F238E27FC236}">
-                <a16:creationId xmlns:a16="http://schemas.microsoft.com/office/drawing/2014/main" id="{BDE1E9AC-BD92-D3A9-4CA9-8A5AF2621238}"/>
+                <a16:creationId xmlns:a16="http://schemas.microsoft.com/office/drawing/2014/main" id="{5CCE265F-3CCC-973A-8262-B0B99F6AB06A}"/>
               </a:ext>
             </a:extLst>
           </p:cNvPr>
@@ -1115,7 +1115,7 @@
           <p:cNvPr id="4" name="日期占位符 3">
             <a:extLst>
               <a:ext uri="{FF2B5EF4-FFF2-40B4-BE49-F238E27FC236}">
-                <a16:creationId xmlns:a16="http://schemas.microsoft.com/office/drawing/2014/main" id="{0AF63151-497F-CA22-AC5B-3A93C99D117D}"/>
+                <a16:creationId xmlns:a16="http://schemas.microsoft.com/office/drawing/2014/main" id="{7EF62383-7E3D-5C74-691A-9DA7553BC579}"/>
               </a:ext>
             </a:extLst>
           </p:cNvPr>
@@ -1131,7 +1131,7 @@
           <a:bodyPr/>
           <a:lstStyle/>
           <a:p>
-            <a:fld id="{3CC22204-3CB0-45A6-B82E-794074AD532A}" type="datetimeFigureOut">
+            <a:fld id="{9803AAD6-93DB-4FA0-AFFF-71AFE6EE9A0F}" type="datetimeFigureOut">
               <a:rPr lang="zh-CN" altLang="en-US" smtClean="0"/>
               <a:t>2024/3/10</a:t>
             </a:fld>
@@ -1144,7 +1144,7 @@
           <p:cNvPr id="5" name="页脚占位符 4">
             <a:extLst>
               <a:ext uri="{FF2B5EF4-FFF2-40B4-BE49-F238E27FC236}">
-                <a16:creationId xmlns:a16="http://schemas.microsoft.com/office/drawing/2014/main" id="{9C2C2EF3-AAD8-6CE6-FA75-A8FB6BE90F01}"/>
+                <a16:creationId xmlns:a16="http://schemas.microsoft.com/office/drawing/2014/main" id="{123F6E57-AD22-97F1-3BD1-E0318336B66B}"/>
               </a:ext>
             </a:extLst>
           </p:cNvPr>
@@ -1169,7 +1169,7 @@
           <p:cNvPr id="6" name="灯片编号占位符 5">
             <a:extLst>
               <a:ext uri="{FF2B5EF4-FFF2-40B4-BE49-F238E27FC236}">
-                <a16:creationId xmlns:a16="http://schemas.microsoft.com/office/drawing/2014/main" id="{7744ED4D-6A99-2D74-E5DA-467AA36D68F3}"/>
+                <a16:creationId xmlns:a16="http://schemas.microsoft.com/office/drawing/2014/main" id="{52CF6ABC-2DBF-DB27-FAF3-C2CE680114F3}"/>
               </a:ext>
             </a:extLst>
           </p:cNvPr>
@@ -1185,7 +1185,7 @@
           <a:bodyPr/>
           <a:lstStyle/>
           <a:p>
-            <a:fld id="{ED4190B6-AC67-4BBE-841F-1E6CC45B314B}" type="slidenum">
+            <a:fld id="{F3E0B850-382E-4F5C-9E18-62DED4770BD8}" type="slidenum">
               <a:rPr lang="zh-CN" altLang="en-US" smtClean="0"/>
               <a:t>‹#›</a:t>
             </a:fld>
@@ -1196,7 +1196,7 @@
     </p:spTree>
     <p:extLst>
       <p:ext uri="{BB962C8B-B14F-4D97-AF65-F5344CB8AC3E}">
-        <p14:creationId xmlns:p14="http://schemas.microsoft.com/office/powerpoint/2010/main" val="1304067257"/>
+        <p14:creationId xmlns:p14="http://schemas.microsoft.com/office/powerpoint/2010/main" val="2016437968"/>
       </p:ext>
     </p:extLst>
   </p:cSld>
@@ -1228,7 +1228,7 @@
           <p:cNvPr id="2" name="标题 1">
             <a:extLst>
               <a:ext uri="{FF2B5EF4-FFF2-40B4-BE49-F238E27FC236}">
-                <a16:creationId xmlns:a16="http://schemas.microsoft.com/office/drawing/2014/main" id="{F72D706E-35FE-BFF2-5BA0-624634BF500E}"/>
+                <a16:creationId xmlns:a16="http://schemas.microsoft.com/office/drawing/2014/main" id="{027658C9-92E5-E2CB-3728-6C7E39743152}"/>
               </a:ext>
             </a:extLst>
           </p:cNvPr>
@@ -1256,7 +1256,7 @@
           <p:cNvPr id="3" name="内容占位符 2">
             <a:extLst>
               <a:ext uri="{FF2B5EF4-FFF2-40B4-BE49-F238E27FC236}">
-                <a16:creationId xmlns:a16="http://schemas.microsoft.com/office/drawing/2014/main" id="{EE9841BA-CDB5-1F54-EA15-4C1AFC7244D5}"/>
+                <a16:creationId xmlns:a16="http://schemas.microsoft.com/office/drawing/2014/main" id="{6E6FC790-C786-99F7-3E7E-FE0A97DF1D25}"/>
               </a:ext>
             </a:extLst>
           </p:cNvPr>
@@ -1318,7 +1318,7 @@
           <p:cNvPr id="4" name="内容占位符 3">
             <a:extLst>
               <a:ext uri="{FF2B5EF4-FFF2-40B4-BE49-F238E27FC236}">
-                <a16:creationId xmlns:a16="http://schemas.microsoft.com/office/drawing/2014/main" id="{09488FFE-A498-F4F2-F717-719BC39A794E}"/>
+                <a16:creationId xmlns:a16="http://schemas.microsoft.com/office/drawing/2014/main" id="{1AA9C2EA-24F2-74C2-4EE1-99B22EF34579}"/>
               </a:ext>
             </a:extLst>
           </p:cNvPr>
@@ -1380,7 +1380,7 @@
           <p:cNvPr id="5" name="日期占位符 4">
             <a:extLst>
               <a:ext uri="{FF2B5EF4-FFF2-40B4-BE49-F238E27FC236}">
-                <a16:creationId xmlns:a16="http://schemas.microsoft.com/office/drawing/2014/main" id="{1472D348-DA6A-437A-82E9-DC0BD556B942}"/>
+                <a16:creationId xmlns:a16="http://schemas.microsoft.com/office/drawing/2014/main" id="{0D65BF73-E6DC-44DB-3A45-CA80571AC65A}"/>
               </a:ext>
             </a:extLst>
           </p:cNvPr>
@@ -1396,7 +1396,7 @@
           <a:bodyPr/>
           <a:lstStyle/>
           <a:p>
-            <a:fld id="{3CC22204-3CB0-45A6-B82E-794074AD532A}" type="datetimeFigureOut">
+            <a:fld id="{9803AAD6-93DB-4FA0-AFFF-71AFE6EE9A0F}" type="datetimeFigureOut">
               <a:rPr lang="zh-CN" altLang="en-US" smtClean="0"/>
               <a:t>2024/3/10</a:t>
             </a:fld>
@@ -1409,7 +1409,7 @@
           <p:cNvPr id="6" name="页脚占位符 5">
             <a:extLst>
               <a:ext uri="{FF2B5EF4-FFF2-40B4-BE49-F238E27FC236}">
-                <a16:creationId xmlns:a16="http://schemas.microsoft.com/office/drawing/2014/main" id="{F18632C6-AEAE-1B26-F91E-1528AAEE8B60}"/>
+                <a16:creationId xmlns:a16="http://schemas.microsoft.com/office/drawing/2014/main" id="{DA8278FF-381A-4F12-DCA1-F50DDF3CC5C3}"/>
               </a:ext>
             </a:extLst>
           </p:cNvPr>
@@ -1434,7 +1434,7 @@
           <p:cNvPr id="7" name="灯片编号占位符 6">
             <a:extLst>
               <a:ext uri="{FF2B5EF4-FFF2-40B4-BE49-F238E27FC236}">
-                <a16:creationId xmlns:a16="http://schemas.microsoft.com/office/drawing/2014/main" id="{E2274054-E2E1-D1E5-675F-8BB01744FC89}"/>
+                <a16:creationId xmlns:a16="http://schemas.microsoft.com/office/drawing/2014/main" id="{9B405536-30AD-14C4-3D9A-99651085E286}"/>
               </a:ext>
             </a:extLst>
           </p:cNvPr>
@@ -1450,7 +1450,7 @@
           <a:bodyPr/>
           <a:lstStyle/>
           <a:p>
-            <a:fld id="{ED4190B6-AC67-4BBE-841F-1E6CC45B314B}" type="slidenum">
+            <a:fld id="{F3E0B850-382E-4F5C-9E18-62DED4770BD8}" type="slidenum">
               <a:rPr lang="zh-CN" altLang="en-US" smtClean="0"/>
               <a:t>‹#›</a:t>
             </a:fld>
@@ -1461,7 +1461,7 @@
     </p:spTree>
     <p:extLst>
       <p:ext uri="{BB962C8B-B14F-4D97-AF65-F5344CB8AC3E}">
-        <p14:creationId xmlns:p14="http://schemas.microsoft.com/office/powerpoint/2010/main" val="2663594962"/>
+        <p14:creationId xmlns:p14="http://schemas.microsoft.com/office/powerpoint/2010/main" val="4265691584"/>
       </p:ext>
     </p:extLst>
   </p:cSld>
@@ -1493,7 +1493,7 @@
           <p:cNvPr id="2" name="标题 1">
             <a:extLst>
               <a:ext uri="{FF2B5EF4-FFF2-40B4-BE49-F238E27FC236}">
-                <a16:creationId xmlns:a16="http://schemas.microsoft.com/office/drawing/2014/main" id="{424C9A44-1C22-ACD5-9017-A909C8382628}"/>
+                <a16:creationId xmlns:a16="http://schemas.microsoft.com/office/drawing/2014/main" id="{E379F794-7C37-F0EE-D43F-7C40456B9012}"/>
               </a:ext>
             </a:extLst>
           </p:cNvPr>
@@ -1526,7 +1526,7 @@
           <p:cNvPr id="3" name="文本占位符 2">
             <a:extLst>
               <a:ext uri="{FF2B5EF4-FFF2-40B4-BE49-F238E27FC236}">
-                <a16:creationId xmlns:a16="http://schemas.microsoft.com/office/drawing/2014/main" id="{541AF0B2-C7FA-0EE0-5995-3DC5FECAC602}"/>
+                <a16:creationId xmlns:a16="http://schemas.microsoft.com/office/drawing/2014/main" id="{2A7A32A4-DB11-2F2A-4AC6-994328AD9203}"/>
               </a:ext>
             </a:extLst>
           </p:cNvPr>
@@ -1597,7 +1597,7 @@
           <p:cNvPr id="4" name="内容占位符 3">
             <a:extLst>
               <a:ext uri="{FF2B5EF4-FFF2-40B4-BE49-F238E27FC236}">
-                <a16:creationId xmlns:a16="http://schemas.microsoft.com/office/drawing/2014/main" id="{F278CFAC-C5C9-0456-E6BE-5DE06841559C}"/>
+                <a16:creationId xmlns:a16="http://schemas.microsoft.com/office/drawing/2014/main" id="{A461B10D-667C-D6DC-9E0A-668EA9D60D99}"/>
               </a:ext>
             </a:extLst>
           </p:cNvPr>
@@ -1659,7 +1659,7 @@
           <p:cNvPr id="5" name="文本占位符 4">
             <a:extLst>
               <a:ext uri="{FF2B5EF4-FFF2-40B4-BE49-F238E27FC236}">
-                <a16:creationId xmlns:a16="http://schemas.microsoft.com/office/drawing/2014/main" id="{6454416E-2251-34B0-DD99-6F3544498FF7}"/>
+                <a16:creationId xmlns:a16="http://schemas.microsoft.com/office/drawing/2014/main" id="{30041DD6-CD3E-C5AD-668F-9B2A38C7DB9F}"/>
               </a:ext>
             </a:extLst>
           </p:cNvPr>
@@ -1730,7 +1730,7 @@
           <p:cNvPr id="6" name="内容占位符 5">
             <a:extLst>
               <a:ext uri="{FF2B5EF4-FFF2-40B4-BE49-F238E27FC236}">
-                <a16:creationId xmlns:a16="http://schemas.microsoft.com/office/drawing/2014/main" id="{5F98FBE7-3CE1-911E-26F3-4B32D2249C7A}"/>
+                <a16:creationId xmlns:a16="http://schemas.microsoft.com/office/drawing/2014/main" id="{53466155-48E3-BBF8-6B06-352A5A6FD31B}"/>
               </a:ext>
             </a:extLst>
           </p:cNvPr>
@@ -1792,7 +1792,7 @@
           <p:cNvPr id="7" name="日期占位符 6">
             <a:extLst>
               <a:ext uri="{FF2B5EF4-FFF2-40B4-BE49-F238E27FC236}">
-                <a16:creationId xmlns:a16="http://schemas.microsoft.com/office/drawing/2014/main" id="{88203A95-5E57-43B0-253A-4EE88B50A1AF}"/>
+                <a16:creationId xmlns:a16="http://schemas.microsoft.com/office/drawing/2014/main" id="{DCD53E17-EF98-84D7-A46D-A06E7EFF46E7}"/>
               </a:ext>
             </a:extLst>
           </p:cNvPr>
@@ -1808,7 +1808,7 @@
           <a:bodyPr/>
           <a:lstStyle/>
           <a:p>
-            <a:fld id="{3CC22204-3CB0-45A6-B82E-794074AD532A}" type="datetimeFigureOut">
+            <a:fld id="{9803AAD6-93DB-4FA0-AFFF-71AFE6EE9A0F}" type="datetimeFigureOut">
               <a:rPr lang="zh-CN" altLang="en-US" smtClean="0"/>
               <a:t>2024/3/10</a:t>
             </a:fld>
@@ -1821,7 +1821,7 @@
           <p:cNvPr id="8" name="页脚占位符 7">
             <a:extLst>
               <a:ext uri="{FF2B5EF4-FFF2-40B4-BE49-F238E27FC236}">
-                <a16:creationId xmlns:a16="http://schemas.microsoft.com/office/drawing/2014/main" id="{6FEE746A-51C0-63BC-C383-2C42375E3F98}"/>
+                <a16:creationId xmlns:a16="http://schemas.microsoft.com/office/drawing/2014/main" id="{6802B782-5AB5-D0B6-0AAB-B50D18D54C50}"/>
               </a:ext>
             </a:extLst>
           </p:cNvPr>
@@ -1846,7 +1846,7 @@
           <p:cNvPr id="9" name="灯片编号占位符 8">
             <a:extLst>
               <a:ext uri="{FF2B5EF4-FFF2-40B4-BE49-F238E27FC236}">
-                <a16:creationId xmlns:a16="http://schemas.microsoft.com/office/drawing/2014/main" id="{B632010F-0985-609E-A99E-4B2C81CD9118}"/>
+                <a16:creationId xmlns:a16="http://schemas.microsoft.com/office/drawing/2014/main" id="{88C586E7-F2FC-F61A-0F4E-BF653009D9D6}"/>
               </a:ext>
             </a:extLst>
           </p:cNvPr>
@@ -1862,7 +1862,7 @@
           <a:bodyPr/>
           <a:lstStyle/>
           <a:p>
-            <a:fld id="{ED4190B6-AC67-4BBE-841F-1E6CC45B314B}" type="slidenum">
+            <a:fld id="{F3E0B850-382E-4F5C-9E18-62DED4770BD8}" type="slidenum">
               <a:rPr lang="zh-CN" altLang="en-US" smtClean="0"/>
               <a:t>‹#›</a:t>
             </a:fld>
@@ -1873,7 +1873,7 @@
     </p:spTree>
     <p:extLst>
       <p:ext uri="{BB962C8B-B14F-4D97-AF65-F5344CB8AC3E}">
-        <p14:creationId xmlns:p14="http://schemas.microsoft.com/office/powerpoint/2010/main" val="2153100913"/>
+        <p14:creationId xmlns:p14="http://schemas.microsoft.com/office/powerpoint/2010/main" val="297130802"/>
       </p:ext>
     </p:extLst>
   </p:cSld>
@@ -1905,7 +1905,7 @@
           <p:cNvPr id="2" name="标题 1">
             <a:extLst>
               <a:ext uri="{FF2B5EF4-FFF2-40B4-BE49-F238E27FC236}">
-                <a16:creationId xmlns:a16="http://schemas.microsoft.com/office/drawing/2014/main" id="{5914EA27-1572-9B90-C782-43CEF70A03D2}"/>
+                <a16:creationId xmlns:a16="http://schemas.microsoft.com/office/drawing/2014/main" id="{CE0B9BE7-60C8-27CE-7AB2-09D752AE2ED3}"/>
               </a:ext>
             </a:extLst>
           </p:cNvPr>
@@ -1933,7 +1933,7 @@
           <p:cNvPr id="3" name="日期占位符 2">
             <a:extLst>
               <a:ext uri="{FF2B5EF4-FFF2-40B4-BE49-F238E27FC236}">
-                <a16:creationId xmlns:a16="http://schemas.microsoft.com/office/drawing/2014/main" id="{A79DB822-26E1-A76A-54FE-31824D2BDEDF}"/>
+                <a16:creationId xmlns:a16="http://schemas.microsoft.com/office/drawing/2014/main" id="{C988EE0C-3E1F-BD14-E458-528B1CEED12B}"/>
               </a:ext>
             </a:extLst>
           </p:cNvPr>
@@ -1949,7 +1949,7 @@
           <a:bodyPr/>
           <a:lstStyle/>
           <a:p>
-            <a:fld id="{3CC22204-3CB0-45A6-B82E-794074AD532A}" type="datetimeFigureOut">
+            <a:fld id="{9803AAD6-93DB-4FA0-AFFF-71AFE6EE9A0F}" type="datetimeFigureOut">
               <a:rPr lang="zh-CN" altLang="en-US" smtClean="0"/>
               <a:t>2024/3/10</a:t>
             </a:fld>
@@ -1962,7 +1962,7 @@
           <p:cNvPr id="4" name="页脚占位符 3">
             <a:extLst>
               <a:ext uri="{FF2B5EF4-FFF2-40B4-BE49-F238E27FC236}">
-                <a16:creationId xmlns:a16="http://schemas.microsoft.com/office/drawing/2014/main" id="{6AB86AC5-38CC-B284-62A6-6D4EF042339B}"/>
+                <a16:creationId xmlns:a16="http://schemas.microsoft.com/office/drawing/2014/main" id="{643099BA-6DF1-DC27-F81C-C18C9F395900}"/>
               </a:ext>
             </a:extLst>
           </p:cNvPr>
@@ -1987,7 +1987,7 @@
           <p:cNvPr id="5" name="灯片编号占位符 4">
             <a:extLst>
               <a:ext uri="{FF2B5EF4-FFF2-40B4-BE49-F238E27FC236}">
-                <a16:creationId xmlns:a16="http://schemas.microsoft.com/office/drawing/2014/main" id="{6D40D3F5-D824-0383-7915-BF7164128167}"/>
+                <a16:creationId xmlns:a16="http://schemas.microsoft.com/office/drawing/2014/main" id="{8B8786AA-5D17-900E-9A5B-07E4E6358C23}"/>
               </a:ext>
             </a:extLst>
           </p:cNvPr>
@@ -2003,7 +2003,7 @@
           <a:bodyPr/>
           <a:lstStyle/>
           <a:p>
-            <a:fld id="{ED4190B6-AC67-4BBE-841F-1E6CC45B314B}" type="slidenum">
+            <a:fld id="{F3E0B850-382E-4F5C-9E18-62DED4770BD8}" type="slidenum">
               <a:rPr lang="zh-CN" altLang="en-US" smtClean="0"/>
               <a:t>‹#›</a:t>
             </a:fld>
@@ -2014,7 +2014,7 @@
     </p:spTree>
     <p:extLst>
       <p:ext uri="{BB962C8B-B14F-4D97-AF65-F5344CB8AC3E}">
-        <p14:creationId xmlns:p14="http://schemas.microsoft.com/office/powerpoint/2010/main" val="2510901465"/>
+        <p14:creationId xmlns:p14="http://schemas.microsoft.com/office/powerpoint/2010/main" val="4174162644"/>
       </p:ext>
     </p:extLst>
   </p:cSld>
@@ -2046,7 +2046,7 @@
           <p:cNvPr id="2" name="日期占位符 1">
             <a:extLst>
               <a:ext uri="{FF2B5EF4-FFF2-40B4-BE49-F238E27FC236}">
-                <a16:creationId xmlns:a16="http://schemas.microsoft.com/office/drawing/2014/main" id="{911B5C92-5C5E-4884-2565-1FA8A1082608}"/>
+                <a16:creationId xmlns:a16="http://schemas.microsoft.com/office/drawing/2014/main" id="{2F3C9D58-24C7-52AA-9144-9FE3DF3B9344}"/>
               </a:ext>
             </a:extLst>
           </p:cNvPr>
@@ -2062,7 +2062,7 @@
           <a:bodyPr/>
           <a:lstStyle/>
           <a:p>
-            <a:fld id="{3CC22204-3CB0-45A6-B82E-794074AD532A}" type="datetimeFigureOut">
+            <a:fld id="{9803AAD6-93DB-4FA0-AFFF-71AFE6EE9A0F}" type="datetimeFigureOut">
               <a:rPr lang="zh-CN" altLang="en-US" smtClean="0"/>
               <a:t>2024/3/10</a:t>
             </a:fld>
@@ -2075,7 +2075,7 @@
           <p:cNvPr id="3" name="页脚占位符 2">
             <a:extLst>
               <a:ext uri="{FF2B5EF4-FFF2-40B4-BE49-F238E27FC236}">
-                <a16:creationId xmlns:a16="http://schemas.microsoft.com/office/drawing/2014/main" id="{0F8EED2D-947E-2AB4-D333-49B79E2E2BCB}"/>
+                <a16:creationId xmlns:a16="http://schemas.microsoft.com/office/drawing/2014/main" id="{15DC4882-7FDF-A885-2880-FB0AF13C1C03}"/>
               </a:ext>
             </a:extLst>
           </p:cNvPr>
@@ -2100,7 +2100,7 @@
           <p:cNvPr id="4" name="灯片编号占位符 3">
             <a:extLst>
               <a:ext uri="{FF2B5EF4-FFF2-40B4-BE49-F238E27FC236}">
-                <a16:creationId xmlns:a16="http://schemas.microsoft.com/office/drawing/2014/main" id="{97D5BE56-66B4-9C0C-840E-5C83EA7F71B0}"/>
+                <a16:creationId xmlns:a16="http://schemas.microsoft.com/office/drawing/2014/main" id="{5DB1A3E8-D3EB-21B8-94DD-E65D356EE851}"/>
               </a:ext>
             </a:extLst>
           </p:cNvPr>
@@ -2116,7 +2116,7 @@
           <a:bodyPr/>
           <a:lstStyle/>
           <a:p>
-            <a:fld id="{ED4190B6-AC67-4BBE-841F-1E6CC45B314B}" type="slidenum">
+            <a:fld id="{F3E0B850-382E-4F5C-9E18-62DED4770BD8}" type="slidenum">
               <a:rPr lang="zh-CN" altLang="en-US" smtClean="0"/>
               <a:t>‹#›</a:t>
             </a:fld>
@@ -2127,7 +2127,7 @@
     </p:spTree>
     <p:extLst>
       <p:ext uri="{BB962C8B-B14F-4D97-AF65-F5344CB8AC3E}">
-        <p14:creationId xmlns:p14="http://schemas.microsoft.com/office/powerpoint/2010/main" val="1812723837"/>
+        <p14:creationId xmlns:p14="http://schemas.microsoft.com/office/powerpoint/2010/main" val="1264774556"/>
       </p:ext>
     </p:extLst>
   </p:cSld>
@@ -2159,7 +2159,7 @@
           <p:cNvPr id="2" name="标题 1">
             <a:extLst>
               <a:ext uri="{FF2B5EF4-FFF2-40B4-BE49-F238E27FC236}">
-                <a16:creationId xmlns:a16="http://schemas.microsoft.com/office/drawing/2014/main" id="{F9E0AD3C-EBBA-93E9-BF98-BC8365308036}"/>
+                <a16:creationId xmlns:a16="http://schemas.microsoft.com/office/drawing/2014/main" id="{CDA52178-B44D-D865-A52F-EB3B37E7F98D}"/>
               </a:ext>
             </a:extLst>
           </p:cNvPr>
@@ -2196,7 +2196,7 @@
           <p:cNvPr id="3" name="内容占位符 2">
             <a:extLst>
               <a:ext uri="{FF2B5EF4-FFF2-40B4-BE49-F238E27FC236}">
-                <a16:creationId xmlns:a16="http://schemas.microsoft.com/office/drawing/2014/main" id="{7208CA8D-0513-B3F4-548F-0E35C67C3983}"/>
+                <a16:creationId xmlns:a16="http://schemas.microsoft.com/office/drawing/2014/main" id="{F4767660-1CDF-3EB7-8089-C8E7695FC04D}"/>
               </a:ext>
             </a:extLst>
           </p:cNvPr>
@@ -2286,7 +2286,7 @@
           <p:cNvPr id="4" name="文本占位符 3">
             <a:extLst>
               <a:ext uri="{FF2B5EF4-FFF2-40B4-BE49-F238E27FC236}">
-                <a16:creationId xmlns:a16="http://schemas.microsoft.com/office/drawing/2014/main" id="{AA52C51E-AEE5-ACDE-60BF-35EB8ACC315F}"/>
+                <a16:creationId xmlns:a16="http://schemas.microsoft.com/office/drawing/2014/main" id="{C98B0D7D-4913-D6F7-60EF-83071D6EA717}"/>
               </a:ext>
             </a:extLst>
           </p:cNvPr>
@@ -2357,7 +2357,7 @@
           <p:cNvPr id="5" name="日期占位符 4">
             <a:extLst>
               <a:ext uri="{FF2B5EF4-FFF2-40B4-BE49-F238E27FC236}">
-                <a16:creationId xmlns:a16="http://schemas.microsoft.com/office/drawing/2014/main" id="{4834933D-94EA-0FCE-769C-D3F978EF4909}"/>
+                <a16:creationId xmlns:a16="http://schemas.microsoft.com/office/drawing/2014/main" id="{D9BDC392-37DB-5DDB-D899-4B1452D1CD5B}"/>
               </a:ext>
             </a:extLst>
           </p:cNvPr>
@@ -2373,7 +2373,7 @@
           <a:bodyPr/>
           <a:lstStyle/>
           <a:p>
-            <a:fld id="{3CC22204-3CB0-45A6-B82E-794074AD532A}" type="datetimeFigureOut">
+            <a:fld id="{9803AAD6-93DB-4FA0-AFFF-71AFE6EE9A0F}" type="datetimeFigureOut">
               <a:rPr lang="zh-CN" altLang="en-US" smtClean="0"/>
               <a:t>2024/3/10</a:t>
             </a:fld>
@@ -2386,7 +2386,7 @@
           <p:cNvPr id="6" name="页脚占位符 5">
             <a:extLst>
               <a:ext uri="{FF2B5EF4-FFF2-40B4-BE49-F238E27FC236}">
-                <a16:creationId xmlns:a16="http://schemas.microsoft.com/office/drawing/2014/main" id="{590AFDC1-E340-B706-EB86-AD4F9FB6AFA1}"/>
+                <a16:creationId xmlns:a16="http://schemas.microsoft.com/office/drawing/2014/main" id="{875B69BC-6851-EF9A-CFE1-DA57DC9E74FC}"/>
               </a:ext>
             </a:extLst>
           </p:cNvPr>
@@ -2411,7 +2411,7 @@
           <p:cNvPr id="7" name="灯片编号占位符 6">
             <a:extLst>
               <a:ext uri="{FF2B5EF4-FFF2-40B4-BE49-F238E27FC236}">
-                <a16:creationId xmlns:a16="http://schemas.microsoft.com/office/drawing/2014/main" id="{98C16BFC-B27F-0C40-CB67-F87EBC66DCEF}"/>
+                <a16:creationId xmlns:a16="http://schemas.microsoft.com/office/drawing/2014/main" id="{F4D82E3A-BC0E-1DDB-DE2D-D453B77CB497}"/>
               </a:ext>
             </a:extLst>
           </p:cNvPr>
@@ -2427,7 +2427,7 @@
           <a:bodyPr/>
           <a:lstStyle/>
           <a:p>
-            <a:fld id="{ED4190B6-AC67-4BBE-841F-1E6CC45B314B}" type="slidenum">
+            <a:fld id="{F3E0B850-382E-4F5C-9E18-62DED4770BD8}" type="slidenum">
               <a:rPr lang="zh-CN" altLang="en-US" smtClean="0"/>
               <a:t>‹#›</a:t>
             </a:fld>
@@ -2438,7 +2438,7 @@
     </p:spTree>
     <p:extLst>
       <p:ext uri="{BB962C8B-B14F-4D97-AF65-F5344CB8AC3E}">
-        <p14:creationId xmlns:p14="http://schemas.microsoft.com/office/powerpoint/2010/main" val="430267991"/>
+        <p14:creationId xmlns:p14="http://schemas.microsoft.com/office/powerpoint/2010/main" val="490806274"/>
       </p:ext>
     </p:extLst>
   </p:cSld>
@@ -2470,7 +2470,7 @@
           <p:cNvPr id="2" name="标题 1">
             <a:extLst>
               <a:ext uri="{FF2B5EF4-FFF2-40B4-BE49-F238E27FC236}">
-                <a16:creationId xmlns:a16="http://schemas.microsoft.com/office/drawing/2014/main" id="{5A7CE3B0-A4EC-C10D-E868-7A8B49BD6B05}"/>
+                <a16:creationId xmlns:a16="http://schemas.microsoft.com/office/drawing/2014/main" id="{4EF0731E-3567-30E3-C823-D96F5D38139A}"/>
               </a:ext>
             </a:extLst>
           </p:cNvPr>
@@ -2507,7 +2507,7 @@
           <p:cNvPr id="3" name="图片占位符 2">
             <a:extLst>
               <a:ext uri="{FF2B5EF4-FFF2-40B4-BE49-F238E27FC236}">
-                <a16:creationId xmlns:a16="http://schemas.microsoft.com/office/drawing/2014/main" id="{537B100E-B3F6-DE7B-9D81-DAF1691B04A8}"/>
+                <a16:creationId xmlns:a16="http://schemas.microsoft.com/office/drawing/2014/main" id="{DF5DD34A-4832-9306-1AB2-0E6A5785BF5C}"/>
               </a:ext>
             </a:extLst>
           </p:cNvPr>
@@ -2574,7 +2574,7 @@
           <p:cNvPr id="4" name="文本占位符 3">
             <a:extLst>
               <a:ext uri="{FF2B5EF4-FFF2-40B4-BE49-F238E27FC236}">
-                <a16:creationId xmlns:a16="http://schemas.microsoft.com/office/drawing/2014/main" id="{D53B9796-EBD5-55EA-ABF9-9A451B478ACE}"/>
+                <a16:creationId xmlns:a16="http://schemas.microsoft.com/office/drawing/2014/main" id="{73328414-563B-9D56-313F-4E91B092EEE5}"/>
               </a:ext>
             </a:extLst>
           </p:cNvPr>
@@ -2645,7 +2645,7 @@
           <p:cNvPr id="5" name="日期占位符 4">
             <a:extLst>
               <a:ext uri="{FF2B5EF4-FFF2-40B4-BE49-F238E27FC236}">
-                <a16:creationId xmlns:a16="http://schemas.microsoft.com/office/drawing/2014/main" id="{296BBAD1-48C1-AFEC-87A3-46568FE76D95}"/>
+                <a16:creationId xmlns:a16="http://schemas.microsoft.com/office/drawing/2014/main" id="{9C642677-CFBD-5208-AD17-10481F970D38}"/>
               </a:ext>
             </a:extLst>
           </p:cNvPr>
@@ -2661,7 +2661,7 @@
           <a:bodyPr/>
           <a:lstStyle/>
           <a:p>
-            <a:fld id="{3CC22204-3CB0-45A6-B82E-794074AD532A}" type="datetimeFigureOut">
+            <a:fld id="{9803AAD6-93DB-4FA0-AFFF-71AFE6EE9A0F}" type="datetimeFigureOut">
               <a:rPr lang="zh-CN" altLang="en-US" smtClean="0"/>
               <a:t>2024/3/10</a:t>
             </a:fld>
@@ -2674,7 +2674,7 @@
           <p:cNvPr id="6" name="页脚占位符 5">
             <a:extLst>
               <a:ext uri="{FF2B5EF4-FFF2-40B4-BE49-F238E27FC236}">
-                <a16:creationId xmlns:a16="http://schemas.microsoft.com/office/drawing/2014/main" id="{8C2D636B-B52B-433B-5B2C-0B5375EBCA1E}"/>
+                <a16:creationId xmlns:a16="http://schemas.microsoft.com/office/drawing/2014/main" id="{72AC3977-3FA9-51B3-C196-74E1AF146D5A}"/>
               </a:ext>
             </a:extLst>
           </p:cNvPr>
@@ -2699,7 +2699,7 @@
           <p:cNvPr id="7" name="灯片编号占位符 6">
             <a:extLst>
               <a:ext uri="{FF2B5EF4-FFF2-40B4-BE49-F238E27FC236}">
-                <a16:creationId xmlns:a16="http://schemas.microsoft.com/office/drawing/2014/main" id="{7B090496-5EFC-F5DD-576D-D57111EA2DAA}"/>
+                <a16:creationId xmlns:a16="http://schemas.microsoft.com/office/drawing/2014/main" id="{F204E215-A434-C23A-84EE-2AA3243E8683}"/>
               </a:ext>
             </a:extLst>
           </p:cNvPr>
@@ -2715,7 +2715,7 @@
           <a:bodyPr/>
           <a:lstStyle/>
           <a:p>
-            <a:fld id="{ED4190B6-AC67-4BBE-841F-1E6CC45B314B}" type="slidenum">
+            <a:fld id="{F3E0B850-382E-4F5C-9E18-62DED4770BD8}" type="slidenum">
               <a:rPr lang="zh-CN" altLang="en-US" smtClean="0"/>
               <a:t>‹#›</a:t>
             </a:fld>
@@ -2726,7 +2726,7 @@
     </p:spTree>
     <p:extLst>
       <p:ext uri="{BB962C8B-B14F-4D97-AF65-F5344CB8AC3E}">
-        <p14:creationId xmlns:p14="http://schemas.microsoft.com/office/powerpoint/2010/main" val="2173512381"/>
+        <p14:creationId xmlns:p14="http://schemas.microsoft.com/office/powerpoint/2010/main" val="1765790817"/>
       </p:ext>
     </p:extLst>
   </p:cSld>
@@ -2763,7 +2763,7 @@
           <p:cNvPr id="2" name="标题占位符 1">
             <a:extLst>
               <a:ext uri="{FF2B5EF4-FFF2-40B4-BE49-F238E27FC236}">
-                <a16:creationId xmlns:a16="http://schemas.microsoft.com/office/drawing/2014/main" id="{F26E0DFC-DF20-AA48-D3A6-3E68B0DD414B}"/>
+                <a16:creationId xmlns:a16="http://schemas.microsoft.com/office/drawing/2014/main" id="{EB505BCE-B077-4EFF-0487-8C04FA286E47}"/>
               </a:ext>
             </a:extLst>
           </p:cNvPr>
@@ -2801,7 +2801,7 @@
           <p:cNvPr id="3" name="文本占位符 2">
             <a:extLst>
               <a:ext uri="{FF2B5EF4-FFF2-40B4-BE49-F238E27FC236}">
-                <a16:creationId xmlns:a16="http://schemas.microsoft.com/office/drawing/2014/main" id="{D27507D5-20C0-7B51-2491-30AE88D2D08C}"/>
+                <a16:creationId xmlns:a16="http://schemas.microsoft.com/office/drawing/2014/main" id="{5559FA5A-CD37-EC7D-D649-83F86DE1D91E}"/>
               </a:ext>
             </a:extLst>
           </p:cNvPr>
@@ -2868,7 +2868,7 @@
           <p:cNvPr id="4" name="日期占位符 3">
             <a:extLst>
               <a:ext uri="{FF2B5EF4-FFF2-40B4-BE49-F238E27FC236}">
-                <a16:creationId xmlns:a16="http://schemas.microsoft.com/office/drawing/2014/main" id="{03570A02-9F4B-D3B6-6C0C-F833EF0CAA65}"/>
+                <a16:creationId xmlns:a16="http://schemas.microsoft.com/office/drawing/2014/main" id="{3B27A0AE-AEB5-56AE-F6E1-B9546823A919}"/>
               </a:ext>
             </a:extLst>
           </p:cNvPr>
@@ -2902,7 +2902,7 @@
             </a:lvl1pPr>
           </a:lstStyle>
           <a:p>
-            <a:fld id="{3CC22204-3CB0-45A6-B82E-794074AD532A}" type="datetimeFigureOut">
+            <a:fld id="{9803AAD6-93DB-4FA0-AFFF-71AFE6EE9A0F}" type="datetimeFigureOut">
               <a:rPr lang="zh-CN" altLang="en-US" smtClean="0"/>
               <a:t>2024/3/10</a:t>
             </a:fld>
@@ -2915,7 +2915,7 @@
           <p:cNvPr id="5" name="页脚占位符 4">
             <a:extLst>
               <a:ext uri="{FF2B5EF4-FFF2-40B4-BE49-F238E27FC236}">
-                <a16:creationId xmlns:a16="http://schemas.microsoft.com/office/drawing/2014/main" id="{D1527FBA-29D5-0155-7918-2C0684A3D0E2}"/>
+                <a16:creationId xmlns:a16="http://schemas.microsoft.com/office/drawing/2014/main" id="{95D682CE-931F-B49D-F5E8-39C1BEE23DE4}"/>
               </a:ext>
             </a:extLst>
           </p:cNvPr>
@@ -2958,7 +2958,7 @@
           <p:cNvPr id="6" name="灯片编号占位符 5">
             <a:extLst>
               <a:ext uri="{FF2B5EF4-FFF2-40B4-BE49-F238E27FC236}">
-                <a16:creationId xmlns:a16="http://schemas.microsoft.com/office/drawing/2014/main" id="{135EC9FA-40D5-71CF-1080-061DB5C8688F}"/>
+                <a16:creationId xmlns:a16="http://schemas.microsoft.com/office/drawing/2014/main" id="{22FD8C7E-066B-0EC9-207A-E215959E6254}"/>
               </a:ext>
             </a:extLst>
           </p:cNvPr>
@@ -2992,7 +2992,7 @@
             </a:lvl1pPr>
           </a:lstStyle>
           <a:p>
-            <a:fld id="{ED4190B6-AC67-4BBE-841F-1E6CC45B314B}" type="slidenum">
+            <a:fld id="{F3E0B850-382E-4F5C-9E18-62DED4770BD8}" type="slidenum">
               <a:rPr lang="zh-CN" altLang="en-US" smtClean="0"/>
               <a:t>‹#›</a:t>
             </a:fld>
@@ -3003,7 +3003,7 @@
     </p:spTree>
     <p:extLst>
       <p:ext uri="{BB962C8B-B14F-4D97-AF65-F5344CB8AC3E}">
-        <p14:creationId xmlns:p14="http://schemas.microsoft.com/office/powerpoint/2010/main" val="1866152374"/>
+        <p14:creationId xmlns:p14="http://schemas.microsoft.com/office/powerpoint/2010/main" val="1164424009"/>
       </p:ext>
     </p:extLst>
   </p:cSld>
